--- a/studies/js/ui-performance.pptx
+++ b/studies/js/ui-performance.pptx
@@ -7399,7 +7399,7 @@
         <p:spPr>
           <a:xfrm>
             <a:off x="4525701" y="282908"/>
-            <a:ext cx="7509399" cy="5539978"/>
+            <a:ext cx="7509399" cy="5878532"/>
           </a:xfrm>
           <a:prstGeom prst="rect">
             <a:avLst/>
@@ -7451,13 +7451,17 @@
             </a:endParaRPr>
           </a:p>
           <a:p>
+            <a:pPr marL="342900" indent="-342900">
+              <a:buFont typeface="+mj-lt"/>
+              <a:buAutoNum type="arabicPeriod"/>
+            </a:pPr>
             <a:r>
               <a:rPr lang="en-US" sz="1400" b="1" dirty="0" smtClean="0">
                 <a:solidFill>
                   <a:schemeClr val="accent2"/>
                 </a:solidFill>
               </a:rPr>
-              <a:t>1. </a:t>
+              <a:t>Do </a:t>
             </a:r>
             <a:r>
               <a:rPr lang="en-US" sz="1400" b="1" dirty="0">
@@ -7465,23 +7469,15 @@
                   <a:schemeClr val="accent2"/>
                 </a:solidFill>
               </a:rPr>
-              <a:t>D</a:t>
-            </a:r>
-            <a:r>
-              <a:rPr lang="en-US" sz="1400" b="1" dirty="0" smtClean="0">
+              <a:t>not `Block`</a:t>
+            </a:r>
+            <a:r>
+              <a:rPr lang="en-US" sz="1400" dirty="0">
                 <a:solidFill>
                   <a:schemeClr val="accent2"/>
                 </a:solidFill>
               </a:rPr>
-              <a:t>o not `Block`: </a:t>
-            </a:r>
-            <a:r>
-              <a:rPr lang="en-US" sz="1400" dirty="0" smtClean="0">
-                <a:solidFill>
-                  <a:schemeClr val="accent2"/>
-                </a:solidFill>
-              </a:rPr>
-              <a:t> main thread</a:t>
+              <a:t>:  main thread</a:t>
             </a:r>
           </a:p>
           <a:p>
@@ -7647,8 +7643,113 @@
                   <a:schemeClr val="accent1"/>
                 </a:solidFill>
               </a:rPr>
-              <a:t>Split them into small small individual asynchronous tasks.</a:t>
-            </a:r>
+              <a:t>Split them into small small individual asynchronous tasks</a:t>
+            </a:r>
+            <a:r>
+              <a:rPr lang="en-US" sz="1100" dirty="0" smtClean="0">
+                <a:solidFill>
+                  <a:schemeClr val="accent1"/>
+                </a:solidFill>
+              </a:rPr>
+              <a:t>.</a:t>
+            </a:r>
+          </a:p>
+          <a:p>
+            <a:pPr marL="342900" indent="-342900">
+              <a:buFont typeface="+mj-lt"/>
+              <a:buAutoNum type="arabicPeriod"/>
+            </a:pPr>
+            <a:r>
+              <a:rPr lang="en-US" sz="1400" dirty="0" smtClean="0">
+                <a:solidFill>
+                  <a:schemeClr val="accent2"/>
+                </a:solidFill>
+              </a:rPr>
+              <a:t>For</a:t>
+            </a:r>
+            <a:r>
+              <a:rPr lang="mr-IN" sz="1400" dirty="0">
+                <a:solidFill>
+                  <a:schemeClr val="accent2"/>
+                </a:solidFill>
+              </a:rPr>
+              <a:t>…</a:t>
+            </a:r>
+            <a:r>
+              <a:rPr lang="en-US" sz="1400" dirty="0">
+                <a:solidFill>
+                  <a:schemeClr val="accent2"/>
+                </a:solidFill>
+              </a:rPr>
+              <a:t> Loop </a:t>
+            </a:r>
+            <a:r>
+              <a:rPr lang="en-US" sz="1400" dirty="0" smtClean="0">
+                <a:solidFill>
+                  <a:schemeClr val="accent2"/>
+                </a:solidFill>
+              </a:rPr>
+              <a:t>(Length Caching)</a:t>
+            </a:r>
+          </a:p>
+          <a:p>
+            <a:pPr marL="342900" indent="-342900">
+              <a:buFont typeface="+mj-lt"/>
+              <a:buAutoNum type="arabicPeriod"/>
+            </a:pPr>
+            <a:r>
+              <a:rPr lang="en-US" sz="1400" dirty="0" err="1" smtClean="0">
+                <a:solidFill>
+                  <a:schemeClr val="accent2"/>
+                </a:solidFill>
+              </a:rPr>
+              <a:t>Memoize</a:t>
+            </a:r>
+            <a:r>
+              <a:rPr lang="en-US" sz="1400" dirty="0" smtClean="0">
+                <a:solidFill>
+                  <a:schemeClr val="accent2"/>
+                </a:solidFill>
+              </a:rPr>
+              <a:t> </a:t>
+            </a:r>
+            <a:r>
+              <a:rPr lang="en-US" sz="1400" dirty="0" err="1" smtClean="0">
+                <a:solidFill>
+                  <a:schemeClr val="accent2"/>
+                </a:solidFill>
+              </a:rPr>
+              <a:t>Fn</a:t>
+            </a:r>
+            <a:r>
+              <a:rPr lang="en-US" sz="1400" dirty="0" smtClean="0">
+                <a:solidFill>
+                  <a:schemeClr val="accent2"/>
+                </a:solidFill>
+              </a:rPr>
+              <a:t> (Cache the </a:t>
+            </a:r>
+            <a:r>
+              <a:rPr lang="en-US" sz="1400" dirty="0" err="1" smtClean="0">
+                <a:solidFill>
+                  <a:schemeClr val="accent2"/>
+                </a:solidFill>
+              </a:rPr>
+              <a:t>fn</a:t>
+            </a:r>
+            <a:r>
+              <a:rPr lang="en-US" sz="1400" dirty="0" smtClean="0">
+                <a:solidFill>
+                  <a:schemeClr val="accent2"/>
+                </a:solidFill>
+              </a:rPr>
+              <a:t> results)</a:t>
+            </a:r>
+            <a:endParaRPr lang="en-US" sz="1100" dirty="0" smtClean="0">
+              <a:solidFill>
+                <a:schemeClr val="accent1"/>
+              </a:solidFill>
+            </a:endParaRPr>
           </a:p>
           <a:p>
             <a:pPr marL="685800" lvl="1" indent="-228600">
@@ -7682,44 +7783,14 @@
                 <a:ea typeface="Calibri" charset="0"/>
                 <a:cs typeface="Times New Roman" charset="0"/>
               </a:rPr>
-              <a:t>Optimize: Events</a:t>
-            </a:r>
-            <a:endParaRPr lang="en-US" sz="1400" dirty="0" smtClean="0">
-              <a:solidFill>
-                <a:schemeClr val="accent1"/>
-              </a:solidFill>
-              <a:effectLst/>
-              <a:latin typeface="Calibri" charset="0"/>
-              <a:ea typeface="Calibri" charset="0"/>
-              <a:cs typeface="Times New Roman" charset="0"/>
-            </a:endParaRPr>
-          </a:p>
-          <a:p>
-            <a:endParaRPr lang="en-US" sz="1400" b="1" dirty="0" smtClean="0">
-              <a:solidFill>
-                <a:schemeClr val="accent2"/>
-              </a:solidFill>
-            </a:endParaRPr>
-          </a:p>
-          <a:p>
-            <a:r>
-              <a:rPr lang="en-US" sz="1400" b="1" dirty="0" smtClean="0">
-                <a:solidFill>
-                  <a:schemeClr val="accent2"/>
-                </a:solidFill>
-              </a:rPr>
-              <a:t>2. Use: Debounce &amp; Throttle </a:t>
-            </a:r>
-          </a:p>
-          <a:p>
-            <a:endParaRPr lang="en-US" sz="1100" dirty="0" smtClean="0"/>
-          </a:p>
-          <a:p>
+              <a:t>Optimize: </a:t>
+            </a:r>
             <a:r>
               <a:rPr lang="en-US" sz="1400" u="sng" dirty="0" smtClean="0">
                 <a:solidFill>
                   <a:schemeClr val="accent1"/>
                 </a:solidFill>
+                <a:effectLst/>
                 <a:highlight>
                   <a:srgbClr val="FFFF00"/>
                 </a:highlight>
@@ -7727,10 +7798,54 @@
                 <a:ea typeface="Calibri" charset="0"/>
                 <a:cs typeface="Times New Roman" charset="0"/>
               </a:rPr>
-              <a:t>Optimize: </a:t>
-            </a:r>
-            <a:r>
-              <a:rPr lang="en-US" sz="1400" u="sng" dirty="0">
+              <a:t>Events</a:t>
+            </a:r>
+            <a:endParaRPr lang="en-US" sz="1400" b="1" dirty="0" smtClean="0">
+              <a:solidFill>
+                <a:schemeClr val="accent2"/>
+              </a:solidFill>
+            </a:endParaRPr>
+          </a:p>
+          <a:p>
+            <a:pPr marL="685800" lvl="1" indent="-228600">
+              <a:buFont typeface="+mj-lt"/>
+              <a:buAutoNum type="arabicPeriod"/>
+            </a:pPr>
+            <a:r>
+              <a:rPr lang="en-US" sz="1100" dirty="0" smtClean="0"/>
+              <a:t>Use</a:t>
+            </a:r>
+            <a:r>
+              <a:rPr lang="en-US" sz="1100" dirty="0"/>
+              <a:t>: </a:t>
+            </a:r>
+            <a:r>
+              <a:rPr lang="en-US" sz="1100" dirty="0">
+                <a:solidFill>
+                  <a:schemeClr val="accent2"/>
+                </a:solidFill>
+              </a:rPr>
+              <a:t>Debounce</a:t>
+            </a:r>
+            <a:r>
+              <a:rPr lang="en-US" sz="1100" dirty="0"/>
+              <a:t> &amp; </a:t>
+            </a:r>
+            <a:r>
+              <a:rPr lang="en-US" sz="1100" dirty="0">
+                <a:solidFill>
+                  <a:schemeClr val="accent2"/>
+                </a:solidFill>
+              </a:rPr>
+              <a:t>Throttle </a:t>
+            </a:r>
+          </a:p>
+          <a:p>
+            <a:endParaRPr lang="en-US" sz="1100" dirty="0" smtClean="0"/>
+          </a:p>
+          <a:p>
+            <a:r>
+              <a:rPr lang="en-US" sz="1400" u="sng" dirty="0" smtClean="0">
                 <a:solidFill>
                   <a:schemeClr val="accent1"/>
                 </a:solidFill>
@@ -7741,50 +7856,8 @@
                 <a:ea typeface="Calibri" charset="0"/>
                 <a:cs typeface="Times New Roman" charset="0"/>
               </a:rPr>
-              <a:t>HTTP Response: </a:t>
-            </a:r>
-          </a:p>
-          <a:p>
-            <a:pPr marL="685800" lvl="1" indent="-228600">
-              <a:buFont typeface="+mj-lt"/>
-              <a:buAutoNum type="arabicPeriod"/>
-            </a:pPr>
-            <a:r>
-              <a:rPr lang="en-US" sz="1100" dirty="0" smtClean="0"/>
-              <a:t>Cache HTTP response</a:t>
-            </a:r>
-          </a:p>
-          <a:p>
-            <a:pPr marL="685800" lvl="1" indent="-228600">
-              <a:buFont typeface="+mj-lt"/>
-              <a:buAutoNum type="arabicPeriod"/>
-            </a:pPr>
-            <a:r>
-              <a:rPr lang="en-US" sz="1100" dirty="0" smtClean="0"/>
-              <a:t>Pre-Fetch (most wanted) HTTP response</a:t>
-            </a:r>
-          </a:p>
-          <a:p>
-            <a:pPr marL="685800" lvl="1" indent="-228600">
-              <a:buFont typeface="+mj-lt"/>
-              <a:buAutoNum type="arabicPeriod"/>
-            </a:pPr>
-            <a:r>
-              <a:rPr lang="en-US" sz="1100" dirty="0" smtClean="0"/>
-              <a:t>Load `On-Demand` (less wanted)</a:t>
-            </a:r>
-          </a:p>
-          <a:p>
-            <a:pPr marL="685800" lvl="1" indent="-228600">
-              <a:buFont typeface="+mj-lt"/>
-              <a:buAutoNum type="arabicPeriod"/>
-            </a:pPr>
-            <a:endParaRPr lang="en-US" sz="1100" dirty="0" smtClean="0"/>
-          </a:p>
-          <a:p>
-            <a:endParaRPr lang="en-US" sz="1100" dirty="0" smtClean="0"/>
-          </a:p>
-          <a:p>
+              <a:t>Optimize: </a:t>
+            </a:r>
             <a:r>
               <a:rPr lang="en-US" sz="1400" u="sng" dirty="0">
                 <a:solidFill>
@@ -7797,10 +7870,56 @@
                 <a:ea typeface="Calibri" charset="0"/>
                 <a:cs typeface="Times New Roman" charset="0"/>
               </a:rPr>
-              <a:t>Optimize: </a:t>
-            </a:r>
-            <a:r>
-              <a:rPr lang="en-US" sz="1400" u="sng" dirty="0" smtClean="0">
+              <a:t>HTTP Response: </a:t>
+            </a:r>
+          </a:p>
+          <a:p>
+            <a:pPr marL="685800" lvl="1" indent="-228600">
+              <a:buFont typeface="+mj-lt"/>
+              <a:buAutoNum type="arabicPeriod"/>
+            </a:pPr>
+            <a:r>
+              <a:rPr lang="en-US" sz="1100" dirty="0" smtClean="0">
+                <a:solidFill>
+                  <a:schemeClr val="accent2"/>
+                </a:solidFill>
+              </a:rPr>
+              <a:t>Cache HTTP response</a:t>
+            </a:r>
+          </a:p>
+          <a:p>
+            <a:pPr marL="685800" lvl="1" indent="-228600">
+              <a:buFont typeface="+mj-lt"/>
+              <a:buAutoNum type="arabicPeriod"/>
+            </a:pPr>
+            <a:r>
+              <a:rPr lang="en-US" sz="1100" dirty="0" smtClean="0"/>
+              <a:t>Pre-Fetch (most wanted) HTTP response</a:t>
+            </a:r>
+          </a:p>
+          <a:p>
+            <a:pPr marL="685800" lvl="1" indent="-228600">
+              <a:buFont typeface="+mj-lt"/>
+              <a:buAutoNum type="arabicPeriod"/>
+            </a:pPr>
+            <a:r>
+              <a:rPr lang="en-US" sz="1100" dirty="0" smtClean="0"/>
+              <a:t>Load `On-Demand` (less wanted)</a:t>
+            </a:r>
+          </a:p>
+          <a:p>
+            <a:pPr marL="685800" lvl="1" indent="-228600">
+              <a:buFont typeface="+mj-lt"/>
+              <a:buAutoNum type="arabicPeriod"/>
+            </a:pPr>
+            <a:endParaRPr lang="en-US" sz="1100" dirty="0" smtClean="0"/>
+          </a:p>
+          <a:p>
+            <a:endParaRPr lang="en-US" sz="1100" dirty="0" smtClean="0"/>
+          </a:p>
+          <a:p>
+            <a:r>
+              <a:rPr lang="en-US" sz="1400" u="sng" dirty="0">
                 <a:solidFill>
                   <a:schemeClr val="accent1"/>
                 </a:solidFill>
@@ -7811,10 +7930,10 @@
                 <a:ea typeface="Calibri" charset="0"/>
                 <a:cs typeface="Times New Roman" charset="0"/>
               </a:rPr>
-              <a:t>DOM (</a:t>
-            </a:r>
-            <a:r>
-              <a:rPr lang="en-US" sz="1400" u="sng" dirty="0" err="1" smtClean="0">
+              <a:t>Optimize: </a:t>
+            </a:r>
+            <a:r>
+              <a:rPr lang="en-US" sz="1400" u="sng" dirty="0" smtClean="0">
                 <a:solidFill>
                   <a:schemeClr val="accent1"/>
                 </a:solidFill>
@@ -7825,21 +7944,7 @@
                 <a:ea typeface="Calibri" charset="0"/>
                 <a:cs typeface="Times New Roman" charset="0"/>
               </a:rPr>
-              <a:t>AppendChild</a:t>
-            </a:r>
-            <a:r>
-              <a:rPr lang="en-US" sz="1400" u="sng" dirty="0" smtClean="0">
-                <a:solidFill>
-                  <a:schemeClr val="accent1"/>
-                </a:solidFill>
-                <a:highlight>
-                  <a:srgbClr val="FFFF00"/>
-                </a:highlight>
-                <a:latin typeface="Calibri" charset="0"/>
-                <a:ea typeface="Calibri" charset="0"/>
-                <a:cs typeface="Times New Roman" charset="0"/>
-              </a:rPr>
-              <a:t>): </a:t>
+              <a:t>DOM (Add more elements) (Append Child): </a:t>
             </a:r>
             <a:endParaRPr lang="en-US" sz="1400" u="sng" dirty="0">
               <a:solidFill>
@@ -7863,16 +7968,38 @@
               <a:t>Use: </a:t>
             </a:r>
             <a:r>
-              <a:rPr lang="en-US" sz="1100" dirty="0" err="1" smtClean="0"/>
+              <a:rPr lang="en-US" sz="1100" dirty="0" err="1" smtClean="0">
+                <a:solidFill>
+                  <a:schemeClr val="accent2"/>
+                </a:solidFill>
+              </a:rPr>
               <a:t>documentFragment</a:t>
             </a:r>
             <a:r>
+              <a:rPr lang="en-US" sz="1100" dirty="0" smtClean="0">
+                <a:solidFill>
+                  <a:schemeClr val="accent2"/>
+                </a:solidFill>
+              </a:rPr>
+              <a:t> </a:t>
+            </a:r>
+            <a:r>
               <a:rPr lang="en-US" sz="1100" dirty="0" smtClean="0"/>
-              <a:t> (for adding </a:t>
-            </a:r>
-            <a:r>
-              <a:rPr lang="en-US" sz="1100" smtClean="0"/>
-              <a:t>multiple items)</a:t>
+              <a:t>(for adding multiple items</a:t>
+            </a:r>
+            <a:r>
+              <a:rPr lang="en-US" sz="1100" dirty="0" smtClean="0"/>
+              <a:t>)</a:t>
+            </a:r>
+          </a:p>
+          <a:p>
+            <a:pPr marL="685800" lvl="1" indent="-228600">
+              <a:buFont typeface="+mj-lt"/>
+              <a:buAutoNum type="arabicPeriod"/>
+            </a:pPr>
+            <a:r>
+              <a:rPr lang="en-US" sz="1100" dirty="0" smtClean="0"/>
+              <a:t>Or remove parent element and append all child and attach back the parent element.</a:t>
             </a:r>
             <a:endParaRPr lang="en-US" sz="1100" dirty="0" smtClean="0"/>
           </a:p>
